--- a/papers/.ppt/TimeSeriesCV_11042024.pptx
+++ b/papers/.ppt/TimeSeriesCV_11042024.pptx
@@ -3460,7 +3460,7 @@
           <a:p>
             <a:r>
               <a:rPr lang="pt-PT" dirty="0"/>
-              <a:t>Metodologia de avaliação em Séries Temporais </a:t>
+              <a:t>Metodologias de avaliação em Séries Temporais </a:t>
             </a:r>
           </a:p>
         </p:txBody>
@@ -3621,6 +3621,271 @@
             </a:r>
           </a:p>
           <a:p>
+            <a:r>
+              <a:rPr lang="en-US" dirty="0" err="1"/>
+              <a:t>Novos</a:t>
+            </a:r>
+            <a:r>
+              <a:rPr lang="en-US" dirty="0"/>
+              <a:t> </a:t>
+            </a:r>
+            <a:r>
+              <a:rPr lang="en-US" dirty="0" err="1"/>
+              <a:t>artigos</a:t>
+            </a:r>
+            <a:r>
+              <a:rPr lang="en-US" dirty="0"/>
+              <a:t> (</a:t>
+            </a:r>
+            <a:r>
+              <a:rPr lang="en-US" dirty="0" err="1"/>
+              <a:t>relevantes</a:t>
+            </a:r>
+            <a:r>
+              <a:rPr lang="en-US" dirty="0"/>
+              <a:t>): </a:t>
+            </a:r>
+            <a:r>
+              <a:rPr lang="en-US" dirty="0" err="1"/>
+              <a:t>Schnaubelt</a:t>
+            </a:r>
+            <a:r>
+              <a:rPr lang="en-US" dirty="0"/>
+              <a:t> (</a:t>
+            </a:r>
+            <a:r>
+              <a:rPr lang="en-US" dirty="0" err="1"/>
+              <a:t>estudo</a:t>
+            </a:r>
+            <a:r>
+              <a:rPr lang="en-US" dirty="0"/>
+              <a:t> </a:t>
+            </a:r>
+            <a:r>
+              <a:rPr lang="en-US" dirty="0" err="1"/>
+              <a:t>semelhante</a:t>
+            </a:r>
+            <a:r>
+              <a:rPr lang="en-US" dirty="0"/>
+              <a:t> </a:t>
+            </a:r>
+            <a:r>
+              <a:rPr lang="en-US" dirty="0" err="1"/>
+              <a:t>ao</a:t>
+            </a:r>
+            <a:r>
+              <a:rPr lang="en-US" dirty="0"/>
+              <a:t> do </a:t>
+            </a:r>
+            <a:r>
+              <a:rPr lang="en-US" dirty="0" err="1"/>
+              <a:t>Cerqueira</a:t>
+            </a:r>
+            <a:r>
+              <a:rPr lang="en-US" dirty="0"/>
+              <a:t>, com </a:t>
+            </a:r>
+            <a:r>
+              <a:rPr lang="en-US" dirty="0" err="1"/>
+              <a:t>bastante</a:t>
+            </a:r>
+            <a:r>
+              <a:rPr lang="en-US" dirty="0"/>
+              <a:t> </a:t>
+            </a:r>
+            <a:r>
+              <a:rPr lang="en-US" dirty="0" err="1"/>
+              <a:t>qualidade</a:t>
+            </a:r>
+            <a:r>
+              <a:rPr lang="en-US" dirty="0"/>
+              <a:t>); Otto (review; </a:t>
+            </a:r>
+            <a:r>
+              <a:rPr lang="en-US" dirty="0" err="1"/>
+              <a:t>dependência</a:t>
+            </a:r>
+            <a:r>
+              <a:rPr lang="en-US" dirty="0"/>
+              <a:t> temporal e </a:t>
+            </a:r>
+            <a:r>
+              <a:rPr lang="en-US" dirty="0" err="1"/>
+              <a:t>espacial</a:t>
+            </a:r>
+            <a:r>
+              <a:rPr lang="en-US" dirty="0"/>
+              <a:t>); </a:t>
+            </a:r>
+            <a:r>
+              <a:rPr lang="en-US" dirty="0" err="1"/>
+              <a:t>Schratz</a:t>
+            </a:r>
+            <a:r>
+              <a:rPr lang="en-US" dirty="0"/>
+              <a:t> (</a:t>
+            </a:r>
+            <a:r>
+              <a:rPr lang="en-US" dirty="0" err="1"/>
+              <a:t>dependência</a:t>
+            </a:r>
+            <a:r>
+              <a:rPr lang="en-US" dirty="0"/>
+              <a:t> </a:t>
+            </a:r>
+            <a:r>
+              <a:rPr lang="en-US" dirty="0" err="1"/>
+              <a:t>espacial</a:t>
+            </a:r>
+            <a:r>
+              <a:rPr lang="en-US" dirty="0"/>
+              <a:t>)</a:t>
+            </a:r>
+          </a:p>
+          <a:p>
+            <a:r>
+              <a:rPr lang="en-US" u="sng" dirty="0"/>
+              <a:t>Package</a:t>
+            </a:r>
+            <a:r>
+              <a:rPr lang="en-US" dirty="0"/>
+              <a:t>: </a:t>
+            </a:r>
+            <a:r>
+              <a:rPr lang="en-US" dirty="0" err="1"/>
+              <a:t>mais</a:t>
+            </a:r>
+            <a:r>
+              <a:rPr lang="en-US" dirty="0"/>
+              <a:t> testes </a:t>
+            </a:r>
+            <a:r>
+              <a:rPr lang="en-US" dirty="0" err="1"/>
+              <a:t>realizados</a:t>
+            </a:r>
+            <a:r>
+              <a:rPr lang="en-US" dirty="0"/>
+              <a:t> para </a:t>
+            </a:r>
+            <a:r>
+              <a:rPr lang="en-US" dirty="0" err="1"/>
+              <a:t>os</a:t>
+            </a:r>
+            <a:r>
+              <a:rPr lang="en-US" dirty="0"/>
+              <a:t> </a:t>
+            </a:r>
+            <a:r>
+              <a:rPr lang="en-US" dirty="0" err="1"/>
+              <a:t>métodos</a:t>
+            </a:r>
+            <a:r>
+              <a:rPr lang="en-US" dirty="0"/>
+              <a:t> de </a:t>
+            </a:r>
+            <a:r>
+              <a:rPr lang="en-US" dirty="0" err="1"/>
+              <a:t>geração</a:t>
+            </a:r>
+            <a:r>
+              <a:rPr lang="en-US" dirty="0"/>
+              <a:t> de dados; </a:t>
+            </a:r>
+            <a:r>
+              <a:rPr lang="en-US" dirty="0" err="1"/>
+              <a:t>implementação</a:t>
+            </a:r>
+            <a:r>
+              <a:rPr lang="en-US" dirty="0"/>
+              <a:t> de </a:t>
+            </a:r>
+            <a:r>
+              <a:rPr lang="en-US" dirty="0" err="1"/>
+              <a:t>mais</a:t>
+            </a:r>
+            <a:r>
+              <a:rPr lang="en-US" dirty="0"/>
+              <a:t> um </a:t>
+            </a:r>
+            <a:r>
+              <a:rPr lang="en-US" dirty="0" err="1"/>
+              <a:t>método</a:t>
+            </a:r>
+            <a:r>
+              <a:rPr lang="en-US" dirty="0"/>
+              <a:t> (Markov CV); </a:t>
+            </a:r>
+            <a:r>
+              <a:rPr lang="en-US" dirty="0" err="1"/>
+              <a:t>validação</a:t>
+            </a:r>
+            <a:r>
+              <a:rPr lang="en-US" dirty="0"/>
+              <a:t> da </a:t>
+            </a:r>
+            <a:r>
+              <a:rPr lang="en-US" dirty="0" err="1"/>
+              <a:t>biblioteca</a:t>
+            </a:r>
+            <a:r>
+              <a:rPr lang="en-US" dirty="0"/>
+              <a:t> da Fraunhofer (</a:t>
+            </a:r>
+            <a:r>
+              <a:rPr lang="en-US" dirty="0" err="1"/>
+              <a:t>Matlab</a:t>
+            </a:r>
+            <a:r>
+              <a:rPr lang="en-US" dirty="0"/>
+              <a:t>); </a:t>
+            </a:r>
+            <a:r>
+              <a:rPr lang="en-US" dirty="0" err="1"/>
+              <a:t>funções</a:t>
+            </a:r>
+            <a:r>
+              <a:rPr lang="en-US" dirty="0"/>
+              <a:t> de interface com a </a:t>
+            </a:r>
+            <a:r>
+              <a:rPr lang="en-US" dirty="0" err="1"/>
+              <a:t>biblioteca</a:t>
+            </a:r>
+            <a:r>
+              <a:rPr lang="en-US" dirty="0"/>
+              <a:t> da Fraunhofer (</a:t>
+            </a:r>
+            <a:r>
+              <a:rPr lang="en-US" dirty="0" err="1"/>
+              <a:t>dependência</a:t>
+            </a:r>
+            <a:r>
+              <a:rPr lang="en-US" dirty="0"/>
+              <a:t> da </a:t>
+            </a:r>
+            <a:r>
+              <a:rPr lang="en-US" dirty="0" err="1"/>
+              <a:t>nossa</a:t>
+            </a:r>
+            <a:r>
+              <a:rPr lang="en-US" dirty="0"/>
+              <a:t>); </a:t>
+            </a:r>
+            <a:r>
+              <a:rPr lang="en-US" dirty="0" err="1"/>
+              <a:t>funções</a:t>
+            </a:r>
+            <a:r>
+              <a:rPr lang="en-US" dirty="0"/>
+              <a:t> </a:t>
+            </a:r>
+            <a:r>
+              <a:rPr lang="en-US" dirty="0" err="1"/>
+              <a:t>auxiliares</a:t>
+            </a:r>
+            <a:endParaRPr lang="en-US" u="sng" dirty="0"/>
+          </a:p>
+          <a:p>
             <a:endParaRPr lang="en-US" dirty="0"/>
           </a:p>
           <a:p>
@@ -3681,7 +3946,7 @@
           <a:p>
             <a:r>
               <a:rPr lang="en-US" dirty="0"/>
-              <a:t>Synthetic Data - Blocks</a:t>
+              <a:t>Synthetic Data – Building Blocks</a:t>
             </a:r>
           </a:p>
         </p:txBody>
@@ -3966,7 +4231,7 @@
           <a:p>
             <a:r>
               <a:rPr lang="en-US" sz="1400" b="1" dirty="0"/>
-              <a:t>Delta Dirac</a:t>
+              <a:t>Dirac Delta</a:t>
             </a:r>
           </a:p>
         </p:txBody>
@@ -4129,7 +4394,7 @@
           <a:p>
             <a:r>
               <a:rPr lang="en-US" dirty="0"/>
-              <a:t>Synthetic Data – Combination of Blocks</a:t>
+              <a:t>Synthetic Data – Combinations</a:t>
             </a:r>
           </a:p>
         </p:txBody>

--- a/papers/.ppt/TimeSeriesCV_11042024.pptx
+++ b/papers/.ppt/TimeSeriesCV_11042024.pptx
@@ -8,10 +8,12 @@
     <p:sldId id="256" r:id="rId2"/>
     <p:sldId id="276" r:id="rId3"/>
     <p:sldId id="312" r:id="rId4"/>
-    <p:sldId id="313" r:id="rId5"/>
-    <p:sldId id="314" r:id="rId6"/>
-    <p:sldId id="310" r:id="rId7"/>
-    <p:sldId id="311" r:id="rId8"/>
+    <p:sldId id="315" r:id="rId5"/>
+    <p:sldId id="313" r:id="rId6"/>
+    <p:sldId id="314" r:id="rId7"/>
+    <p:sldId id="310" r:id="rId8"/>
+    <p:sldId id="311" r:id="rId9"/>
+    <p:sldId id="316" r:id="rId10"/>
   </p:sldIdLst>
   <p:sldSz cx="12192000" cy="6858000"/>
   <p:notesSz cx="6858000" cy="9144000"/>
@@ -122,10 +124,12 @@
           <p14:sldIdLst>
             <p14:sldId id="276"/>
             <p14:sldId id="312"/>
+            <p14:sldId id="315"/>
             <p14:sldId id="313"/>
             <p14:sldId id="314"/>
             <p14:sldId id="310"/>
             <p14:sldId id="311"/>
+            <p14:sldId id="316"/>
           </p14:sldIdLst>
         </p14:section>
       </p14:sectionLst>
@@ -284,7 +288,7 @@
           <a:p>
             <a:fld id="{0FEE928B-C7F0-48C6-BE5C-4C114E091DF6}" type="datetimeFigureOut">
               <a:rPr lang="en-US" smtClean="0"/>
-              <a:t>12-Apr-24</a:t>
+              <a:t>16-Apr-24</a:t>
             </a:fld>
             <a:endParaRPr lang="en-US"/>
           </a:p>
@@ -482,7 +486,7 @@
           <a:p>
             <a:fld id="{0FEE928B-C7F0-48C6-BE5C-4C114E091DF6}" type="datetimeFigureOut">
               <a:rPr lang="en-US" smtClean="0"/>
-              <a:t>12-Apr-24</a:t>
+              <a:t>16-Apr-24</a:t>
             </a:fld>
             <a:endParaRPr lang="en-US"/>
           </a:p>
@@ -690,7 +694,7 @@
           <a:p>
             <a:fld id="{0FEE928B-C7F0-48C6-BE5C-4C114E091DF6}" type="datetimeFigureOut">
               <a:rPr lang="en-US" smtClean="0"/>
-              <a:t>12-Apr-24</a:t>
+              <a:t>16-Apr-24</a:t>
             </a:fld>
             <a:endParaRPr lang="en-US"/>
           </a:p>
@@ -888,7 +892,7 @@
           <a:p>
             <a:fld id="{0FEE928B-C7F0-48C6-BE5C-4C114E091DF6}" type="datetimeFigureOut">
               <a:rPr lang="en-US" smtClean="0"/>
-              <a:t>12-Apr-24</a:t>
+              <a:t>16-Apr-24</a:t>
             </a:fld>
             <a:endParaRPr lang="en-US"/>
           </a:p>
@@ -1163,7 +1167,7 @@
           <a:p>
             <a:fld id="{0FEE928B-C7F0-48C6-BE5C-4C114E091DF6}" type="datetimeFigureOut">
               <a:rPr lang="en-US" smtClean="0"/>
-              <a:t>12-Apr-24</a:t>
+              <a:t>16-Apr-24</a:t>
             </a:fld>
             <a:endParaRPr lang="en-US"/>
           </a:p>
@@ -1428,7 +1432,7 @@
           <a:p>
             <a:fld id="{0FEE928B-C7F0-48C6-BE5C-4C114E091DF6}" type="datetimeFigureOut">
               <a:rPr lang="en-US" smtClean="0"/>
-              <a:t>12-Apr-24</a:t>
+              <a:t>16-Apr-24</a:t>
             </a:fld>
             <a:endParaRPr lang="en-US"/>
           </a:p>
@@ -1840,7 +1844,7 @@
           <a:p>
             <a:fld id="{0FEE928B-C7F0-48C6-BE5C-4C114E091DF6}" type="datetimeFigureOut">
               <a:rPr lang="en-US" smtClean="0"/>
-              <a:t>12-Apr-24</a:t>
+              <a:t>16-Apr-24</a:t>
             </a:fld>
             <a:endParaRPr lang="en-US"/>
           </a:p>
@@ -1981,7 +1985,7 @@
           <a:p>
             <a:fld id="{0FEE928B-C7F0-48C6-BE5C-4C114E091DF6}" type="datetimeFigureOut">
               <a:rPr lang="en-US" smtClean="0"/>
-              <a:t>12-Apr-24</a:t>
+              <a:t>16-Apr-24</a:t>
             </a:fld>
             <a:endParaRPr lang="en-US"/>
           </a:p>
@@ -2094,7 +2098,7 @@
           <a:p>
             <a:fld id="{0FEE928B-C7F0-48C6-BE5C-4C114E091DF6}" type="datetimeFigureOut">
               <a:rPr lang="en-US" smtClean="0"/>
-              <a:t>12-Apr-24</a:t>
+              <a:t>16-Apr-24</a:t>
             </a:fld>
             <a:endParaRPr lang="en-US"/>
           </a:p>
@@ -2405,7 +2409,7 @@
           <a:p>
             <a:fld id="{0FEE928B-C7F0-48C6-BE5C-4C114E091DF6}" type="datetimeFigureOut">
               <a:rPr lang="en-US" smtClean="0"/>
-              <a:t>12-Apr-24</a:t>
+              <a:t>16-Apr-24</a:t>
             </a:fld>
             <a:endParaRPr lang="en-US"/>
           </a:p>
@@ -2693,7 +2697,7 @@
           <a:p>
             <a:fld id="{0FEE928B-C7F0-48C6-BE5C-4C114E091DF6}" type="datetimeFigureOut">
               <a:rPr lang="en-US" smtClean="0"/>
-              <a:t>12-Apr-24</a:t>
+              <a:t>16-Apr-24</a:t>
             </a:fld>
             <a:endParaRPr lang="en-US"/>
           </a:p>
@@ -2934,7 +2938,7 @@
           <a:p>
             <a:fld id="{0FEE928B-C7F0-48C6-BE5C-4C114E091DF6}" type="datetimeFigureOut">
               <a:rPr lang="en-US" smtClean="0"/>
-              <a:t>12-Apr-24</a:t>
+              <a:t>16-Apr-24</a:t>
             </a:fld>
             <a:endParaRPr lang="en-US"/>
           </a:p>
@@ -3578,318 +3582,320 @@
         </p:nvSpPr>
         <p:spPr/>
         <p:txBody>
-          <a:bodyPr/>
+          <a:bodyPr>
+            <a:normAutofit/>
+          </a:bodyPr>
           <a:lstStyle/>
           <a:p>
             <a:r>
-              <a:rPr lang="en-US" dirty="0" err="1"/>
+              <a:rPr lang="en-US" sz="2400" dirty="0" err="1"/>
               <a:t>Avanços</a:t>
             </a:r>
             <a:r>
-              <a:rPr lang="en-US" dirty="0"/>
+              <a:rPr lang="en-US" sz="2400" dirty="0"/>
               <a:t> </a:t>
             </a:r>
             <a:r>
-              <a:rPr lang="en-US" dirty="0" err="1"/>
+              <a:rPr lang="en-US" sz="2400" dirty="0" err="1"/>
               <a:t>na</a:t>
             </a:r>
             <a:r>
-              <a:rPr lang="en-US" dirty="0"/>
+              <a:rPr lang="en-US" sz="2400" dirty="0"/>
               <a:t> </a:t>
             </a:r>
             <a:r>
-              <a:rPr lang="en-US" dirty="0" err="1"/>
+              <a:rPr lang="en-US" sz="2400" dirty="0" err="1"/>
               <a:t>escrita</a:t>
             </a:r>
             <a:r>
-              <a:rPr lang="en-US" dirty="0"/>
+              <a:rPr lang="en-US" sz="2400" dirty="0"/>
               <a:t> do “Related Work”</a:t>
             </a:r>
           </a:p>
           <a:p>
             <a:r>
-              <a:rPr lang="en-US" dirty="0"/>
+              <a:rPr lang="en-US" sz="2400" dirty="0"/>
               <a:t>Novo </a:t>
             </a:r>
             <a:r>
-              <a:rPr lang="en-US" dirty="0" err="1"/>
+              <a:rPr lang="en-US" sz="2400" dirty="0" err="1"/>
               <a:t>artigo</a:t>
             </a:r>
             <a:r>
-              <a:rPr lang="en-US" dirty="0"/>
+              <a:rPr lang="en-US" sz="2400" dirty="0"/>
               <a:t>: Markov CV</a:t>
             </a:r>
           </a:p>
           <a:p>
             <a:r>
-              <a:rPr lang="en-US" dirty="0" err="1"/>
+              <a:rPr lang="en-US" sz="2400" dirty="0" err="1"/>
               <a:t>Novos</a:t>
             </a:r>
             <a:r>
-              <a:rPr lang="en-US" dirty="0"/>
+              <a:rPr lang="en-US" sz="2400" dirty="0"/>
               <a:t> </a:t>
             </a:r>
             <a:r>
-              <a:rPr lang="en-US" dirty="0" err="1"/>
+              <a:rPr lang="en-US" sz="2400" dirty="0" err="1"/>
               <a:t>artigos</a:t>
             </a:r>
             <a:r>
-              <a:rPr lang="en-US" dirty="0"/>
+              <a:rPr lang="en-US" sz="2400" dirty="0"/>
               <a:t> (</a:t>
             </a:r>
             <a:r>
-              <a:rPr lang="en-US" dirty="0" err="1"/>
+              <a:rPr lang="en-US" sz="2400" dirty="0" err="1"/>
               <a:t>relevantes</a:t>
             </a:r>
             <a:r>
-              <a:rPr lang="en-US" dirty="0"/>
+              <a:rPr lang="en-US" sz="2400" dirty="0"/>
               <a:t>): </a:t>
             </a:r>
             <a:r>
-              <a:rPr lang="en-US" dirty="0" err="1"/>
+              <a:rPr lang="en-US" sz="2400" dirty="0" err="1"/>
               <a:t>Schnaubelt</a:t>
             </a:r>
             <a:r>
-              <a:rPr lang="en-US" dirty="0"/>
+              <a:rPr lang="en-US" sz="2400" dirty="0"/>
               <a:t> (</a:t>
             </a:r>
             <a:r>
-              <a:rPr lang="en-US" dirty="0" err="1"/>
+              <a:rPr lang="en-US" sz="2400" dirty="0" err="1"/>
               <a:t>estudo</a:t>
             </a:r>
             <a:r>
-              <a:rPr lang="en-US" dirty="0"/>
+              <a:rPr lang="en-US" sz="2400" dirty="0"/>
               <a:t> </a:t>
             </a:r>
             <a:r>
-              <a:rPr lang="en-US" dirty="0" err="1"/>
+              <a:rPr lang="en-US" sz="2400" dirty="0" err="1"/>
               <a:t>semelhante</a:t>
             </a:r>
             <a:r>
-              <a:rPr lang="en-US" dirty="0"/>
+              <a:rPr lang="en-US" sz="2400" dirty="0"/>
               <a:t> </a:t>
             </a:r>
             <a:r>
-              <a:rPr lang="en-US" dirty="0" err="1"/>
+              <a:rPr lang="en-US" sz="2400" dirty="0" err="1"/>
               <a:t>ao</a:t>
             </a:r>
             <a:r>
-              <a:rPr lang="en-US" dirty="0"/>
+              <a:rPr lang="en-US" sz="2400" dirty="0"/>
               <a:t> do </a:t>
             </a:r>
             <a:r>
-              <a:rPr lang="en-US" dirty="0" err="1"/>
+              <a:rPr lang="en-US" sz="2400" dirty="0" err="1"/>
               <a:t>Cerqueira</a:t>
             </a:r>
             <a:r>
-              <a:rPr lang="en-US" dirty="0"/>
+              <a:rPr lang="en-US" sz="2400" dirty="0"/>
               <a:t>, com </a:t>
             </a:r>
             <a:r>
-              <a:rPr lang="en-US" dirty="0" err="1"/>
+              <a:rPr lang="en-US" sz="2400" dirty="0" err="1"/>
               <a:t>bastante</a:t>
             </a:r>
             <a:r>
-              <a:rPr lang="en-US" dirty="0"/>
+              <a:rPr lang="en-US" sz="2400" dirty="0"/>
               <a:t> </a:t>
             </a:r>
             <a:r>
-              <a:rPr lang="en-US" dirty="0" err="1"/>
+              <a:rPr lang="en-US" sz="2400" dirty="0" err="1"/>
               <a:t>qualidade</a:t>
             </a:r>
             <a:r>
-              <a:rPr lang="en-US" dirty="0"/>
+              <a:rPr lang="en-US" sz="2400" dirty="0"/>
               <a:t>); Otto (review; </a:t>
             </a:r>
             <a:r>
-              <a:rPr lang="en-US" dirty="0" err="1"/>
+              <a:rPr lang="en-US" sz="2400" dirty="0" err="1"/>
               <a:t>dependência</a:t>
             </a:r>
             <a:r>
-              <a:rPr lang="en-US" dirty="0"/>
+              <a:rPr lang="en-US" sz="2400" dirty="0"/>
               <a:t> temporal e </a:t>
             </a:r>
             <a:r>
-              <a:rPr lang="en-US" dirty="0" err="1"/>
+              <a:rPr lang="en-US" sz="2400" dirty="0" err="1"/>
               <a:t>espacial</a:t>
             </a:r>
             <a:r>
-              <a:rPr lang="en-US" dirty="0"/>
+              <a:rPr lang="en-US" sz="2400" dirty="0"/>
               <a:t>); </a:t>
             </a:r>
             <a:r>
-              <a:rPr lang="en-US" dirty="0" err="1"/>
+              <a:rPr lang="en-US" sz="2400" dirty="0" err="1"/>
               <a:t>Schratz</a:t>
             </a:r>
             <a:r>
-              <a:rPr lang="en-US" dirty="0"/>
+              <a:rPr lang="en-US" sz="2400" dirty="0"/>
               <a:t> (</a:t>
             </a:r>
             <a:r>
-              <a:rPr lang="en-US" dirty="0" err="1"/>
+              <a:rPr lang="en-US" sz="2400" dirty="0" err="1"/>
               <a:t>dependência</a:t>
             </a:r>
             <a:r>
-              <a:rPr lang="en-US" dirty="0"/>
+              <a:rPr lang="en-US" sz="2400" dirty="0"/>
               <a:t> </a:t>
             </a:r>
             <a:r>
-              <a:rPr lang="en-US" dirty="0" err="1"/>
+              <a:rPr lang="en-US" sz="2400" dirty="0" err="1"/>
               <a:t>espacial</a:t>
             </a:r>
             <a:r>
-              <a:rPr lang="en-US" dirty="0"/>
+              <a:rPr lang="en-US" sz="2400" dirty="0"/>
               <a:t>)</a:t>
             </a:r>
           </a:p>
           <a:p>
             <a:r>
-              <a:rPr lang="en-US" u="sng" dirty="0"/>
+              <a:rPr lang="en-US" sz="2400" u="sng" dirty="0"/>
               <a:t>Package</a:t>
             </a:r>
             <a:r>
-              <a:rPr lang="en-US" dirty="0"/>
+              <a:rPr lang="en-US" sz="2400" dirty="0"/>
               <a:t>: </a:t>
             </a:r>
             <a:r>
-              <a:rPr lang="en-US" dirty="0" err="1"/>
+              <a:rPr lang="en-US" sz="2400" dirty="0" err="1"/>
               <a:t>mais</a:t>
             </a:r>
             <a:r>
-              <a:rPr lang="en-US" dirty="0"/>
+              <a:rPr lang="en-US" sz="2400" dirty="0"/>
               <a:t> testes </a:t>
             </a:r>
             <a:r>
-              <a:rPr lang="en-US" dirty="0" err="1"/>
+              <a:rPr lang="en-US" sz="2400" dirty="0" err="1"/>
               <a:t>realizados</a:t>
             </a:r>
             <a:r>
-              <a:rPr lang="en-US" dirty="0"/>
+              <a:rPr lang="en-US" sz="2400" dirty="0"/>
               <a:t> para </a:t>
             </a:r>
             <a:r>
-              <a:rPr lang="en-US" dirty="0" err="1"/>
+              <a:rPr lang="en-US" sz="2400" dirty="0" err="1"/>
               <a:t>os</a:t>
             </a:r>
             <a:r>
-              <a:rPr lang="en-US" dirty="0"/>
+              <a:rPr lang="en-US" sz="2400" dirty="0"/>
               <a:t> </a:t>
             </a:r>
             <a:r>
-              <a:rPr lang="en-US" dirty="0" err="1"/>
+              <a:rPr lang="en-US" sz="2400" dirty="0" err="1"/>
               <a:t>métodos</a:t>
             </a:r>
             <a:r>
-              <a:rPr lang="en-US" dirty="0"/>
+              <a:rPr lang="en-US" sz="2400" dirty="0"/>
               <a:t> de </a:t>
             </a:r>
             <a:r>
-              <a:rPr lang="en-US" dirty="0" err="1"/>
+              <a:rPr lang="en-US" sz="2400" dirty="0" err="1"/>
               <a:t>geração</a:t>
             </a:r>
             <a:r>
-              <a:rPr lang="en-US" dirty="0"/>
+              <a:rPr lang="en-US" sz="2400" dirty="0"/>
               <a:t> de dados; </a:t>
             </a:r>
             <a:r>
-              <a:rPr lang="en-US" dirty="0" err="1"/>
+              <a:rPr lang="en-US" sz="2400" dirty="0" err="1"/>
               <a:t>implementação</a:t>
             </a:r>
             <a:r>
-              <a:rPr lang="en-US" dirty="0"/>
+              <a:rPr lang="en-US" sz="2400" dirty="0"/>
               <a:t> de </a:t>
             </a:r>
             <a:r>
-              <a:rPr lang="en-US" dirty="0" err="1"/>
+              <a:rPr lang="en-US" sz="2400" dirty="0" err="1"/>
               <a:t>mais</a:t>
             </a:r>
             <a:r>
-              <a:rPr lang="en-US" dirty="0"/>
+              <a:rPr lang="en-US" sz="2400" dirty="0"/>
               <a:t> um </a:t>
             </a:r>
             <a:r>
-              <a:rPr lang="en-US" dirty="0" err="1"/>
+              <a:rPr lang="en-US" sz="2400" dirty="0" err="1"/>
               <a:t>método</a:t>
             </a:r>
             <a:r>
-              <a:rPr lang="en-US" dirty="0"/>
+              <a:rPr lang="en-US" sz="2400" dirty="0"/>
               <a:t> (Markov CV); </a:t>
             </a:r>
             <a:r>
-              <a:rPr lang="en-US" dirty="0" err="1"/>
+              <a:rPr lang="en-US" sz="2400" dirty="0" err="1"/>
               <a:t>validação</a:t>
             </a:r>
             <a:r>
-              <a:rPr lang="en-US" dirty="0"/>
+              <a:rPr lang="en-US" sz="2400" dirty="0"/>
               <a:t> da </a:t>
             </a:r>
             <a:r>
-              <a:rPr lang="en-US" dirty="0" err="1"/>
+              <a:rPr lang="en-US" sz="2400" dirty="0" err="1"/>
               <a:t>biblioteca</a:t>
             </a:r>
             <a:r>
-              <a:rPr lang="en-US" dirty="0"/>
+              <a:rPr lang="en-US" sz="2400" dirty="0"/>
               <a:t> da Fraunhofer (</a:t>
             </a:r>
             <a:r>
-              <a:rPr lang="en-US" dirty="0" err="1"/>
+              <a:rPr lang="en-US" sz="2400" dirty="0" err="1"/>
               <a:t>Matlab</a:t>
             </a:r>
             <a:r>
-              <a:rPr lang="en-US" dirty="0"/>
+              <a:rPr lang="en-US" sz="2400" dirty="0"/>
               <a:t>); </a:t>
             </a:r>
             <a:r>
-              <a:rPr lang="en-US" dirty="0" err="1"/>
+              <a:rPr lang="en-US" sz="2400" dirty="0" err="1"/>
               <a:t>funções</a:t>
             </a:r>
             <a:r>
-              <a:rPr lang="en-US" dirty="0"/>
+              <a:rPr lang="en-US" sz="2400" dirty="0"/>
               <a:t> de interface com a </a:t>
             </a:r>
             <a:r>
-              <a:rPr lang="en-US" dirty="0" err="1"/>
+              <a:rPr lang="en-US" sz="2400" dirty="0" err="1"/>
               <a:t>biblioteca</a:t>
             </a:r>
             <a:r>
-              <a:rPr lang="en-US" dirty="0"/>
+              <a:rPr lang="en-US" sz="2400" dirty="0"/>
               <a:t> da Fraunhofer (</a:t>
             </a:r>
             <a:r>
-              <a:rPr lang="en-US" dirty="0" err="1"/>
+              <a:rPr lang="en-US" sz="2400" dirty="0" err="1"/>
               <a:t>dependência</a:t>
             </a:r>
             <a:r>
-              <a:rPr lang="en-US" dirty="0"/>
+              <a:rPr lang="en-US" sz="2400" dirty="0"/>
               <a:t> da </a:t>
             </a:r>
             <a:r>
-              <a:rPr lang="en-US" dirty="0" err="1"/>
+              <a:rPr lang="en-US" sz="2400" dirty="0" err="1"/>
               <a:t>nossa</a:t>
             </a:r>
             <a:r>
-              <a:rPr lang="en-US" dirty="0"/>
+              <a:rPr lang="en-US" sz="2400" dirty="0"/>
               <a:t>); </a:t>
             </a:r>
             <a:r>
-              <a:rPr lang="en-US" dirty="0" err="1"/>
+              <a:rPr lang="en-US" sz="2400" dirty="0" err="1"/>
               <a:t>funções</a:t>
             </a:r>
             <a:r>
-              <a:rPr lang="en-US" dirty="0"/>
+              <a:rPr lang="en-US" sz="2400" dirty="0"/>
               <a:t> </a:t>
             </a:r>
             <a:r>
-              <a:rPr lang="en-US" dirty="0" err="1"/>
+              <a:rPr lang="en-US" sz="2400" dirty="0" err="1"/>
               <a:t>auxiliares</a:t>
             </a:r>
-            <a:endParaRPr lang="en-US" u="sng" dirty="0"/>
+            <a:endParaRPr lang="en-US" sz="2400" u="sng" dirty="0"/>
           </a:p>
           <a:p>
-            <a:endParaRPr lang="en-US" dirty="0"/>
+            <a:endParaRPr lang="en-US" sz="2400" dirty="0"/>
           </a:p>
           <a:p>
-            <a:endParaRPr lang="en-US" dirty="0"/>
+            <a:endParaRPr lang="en-US" sz="2400" dirty="0"/>
           </a:p>
         </p:txBody>
       </p:sp>
@@ -3907,6 +3913,152 @@
 </file>
 
 <file path=ppt/slides/slide4.xml><?xml version="1.0" encoding="utf-8"?>
+<p:sld xmlns:a="http://schemas.openxmlformats.org/drawingml/2006/main" xmlns:r="http://schemas.openxmlformats.org/officeDocument/2006/relationships" xmlns:p="http://schemas.openxmlformats.org/presentationml/2006/main">
+  <p:cSld>
+    <p:spTree>
+      <p:nvGrpSpPr>
+        <p:cNvPr id="1" name=""/>
+        <p:cNvGrpSpPr/>
+        <p:nvPr/>
+      </p:nvGrpSpPr>
+      <p:grpSpPr>
+        <a:xfrm>
+          <a:off x="0" y="0"/>
+          <a:ext cx="0" cy="0"/>
+          <a:chOff x="0" y="0"/>
+          <a:chExt cx="0" cy="0"/>
+        </a:xfrm>
+      </p:grpSpPr>
+      <p:sp>
+        <p:nvSpPr>
+          <p:cNvPr id="2" name="Title 1">
+            <a:extLst>
+              <a:ext uri="{FF2B5EF4-FFF2-40B4-BE49-F238E27FC236}">
+                <a16:creationId xmlns:a16="http://schemas.microsoft.com/office/drawing/2014/main" id="{40418348-F06C-4B32-A8DF-15AA5AF6BE42}"/>
+              </a:ext>
+            </a:extLst>
+          </p:cNvPr>
+          <p:cNvSpPr>
+            <a:spLocks noGrp="1"/>
+          </p:cNvSpPr>
+          <p:nvPr>
+            <p:ph type="title"/>
+          </p:nvPr>
+        </p:nvSpPr>
+        <p:spPr/>
+        <p:txBody>
+          <a:bodyPr/>
+          <a:lstStyle/>
+          <a:p>
+            <a:r>
+              <a:rPr lang="en-US" dirty="0"/>
+              <a:t>Related Work…</a:t>
+            </a:r>
+          </a:p>
+        </p:txBody>
+      </p:sp>
+      <p:sp>
+        <p:nvSpPr>
+          <p:cNvPr id="3" name="Content Placeholder 2">
+            <a:extLst>
+              <a:ext uri="{FF2B5EF4-FFF2-40B4-BE49-F238E27FC236}">
+                <a16:creationId xmlns:a16="http://schemas.microsoft.com/office/drawing/2014/main" id="{1C3624A7-C000-47B3-A158-458A46A60393}"/>
+              </a:ext>
+            </a:extLst>
+          </p:cNvPr>
+          <p:cNvSpPr>
+            <a:spLocks noGrp="1"/>
+          </p:cNvSpPr>
+          <p:nvPr>
+            <p:ph idx="1"/>
+          </p:nvPr>
+        </p:nvSpPr>
+        <p:spPr/>
+        <p:txBody>
+          <a:bodyPr>
+            <a:normAutofit/>
+          </a:bodyPr>
+          <a:lstStyle/>
+          <a:p>
+            <a:r>
+              <a:rPr lang="en-US" sz="2000" dirty="0"/>
+              <a:t>Otto (Review de 2024):"In the case of spatially/temporally dependent data, </a:t>
+            </a:r>
+            <a:r>
+              <a:rPr lang="en-US" sz="2000" b="1" dirty="0"/>
+              <a:t>standard random k-fold cross-validation procedures cannot be applied</a:t>
+            </a:r>
+            <a:r>
+              <a:rPr lang="en-US" sz="2000" dirty="0"/>
+              <a:t>." (2): "Consequently, the evaluation of prediction performance </a:t>
+            </a:r>
+            <a:r>
+              <a:rPr lang="en-US" sz="2000" b="1" dirty="0"/>
+              <a:t>tends to be overly optimistic</a:t>
+            </a:r>
+            <a:r>
+              <a:rPr lang="en-US" sz="2000" dirty="0"/>
+              <a:t> because the </a:t>
+            </a:r>
+            <a:r>
+              <a:rPr lang="en-US" sz="2000" b="1" dirty="0"/>
+              <a:t>training and test datasets become correlated, </a:t>
+            </a:r>
+            <a:r>
+              <a:rPr lang="en-US" sz="2000" dirty="0"/>
+              <a:t>largely due to the neglected underlying correlation structure, whether across space or </a:t>
+            </a:r>
+            <a:r>
+              <a:rPr lang="en-US" sz="2000" dirty="0" err="1"/>
+              <a:t>time"In</a:t>
+            </a:r>
+            <a:r>
+              <a:rPr lang="en-US" sz="2000" dirty="0"/>
+              <a:t> the context of spatially dependent data: </a:t>
+            </a:r>
+          </a:p>
+          <a:p>
+            <a:r>
+              <a:rPr lang="en-US" sz="2000" dirty="0" err="1"/>
+              <a:t>Schratz</a:t>
+            </a:r>
+            <a:r>
+              <a:rPr lang="en-US" sz="2000" dirty="0"/>
+              <a:t> (Spatial Dependency): "</a:t>
+            </a:r>
+            <a:r>
+              <a:rPr lang="en-US" sz="2000" dirty="0" err="1"/>
+              <a:t>Crossvalidation</a:t>
+            </a:r>
+            <a:r>
+              <a:rPr lang="en-US" sz="2000" dirty="0"/>
+              <a:t> and bootstrapping are two widely used performance estimation techniques (...). However, in the presence of spatial autocorrelation, estimates obtained using regular (non-spatial) </a:t>
+            </a:r>
+            <a:r>
+              <a:rPr lang="en-US" sz="2000" b="1" dirty="0"/>
+              <a:t>random resampling maybe biased and overoptimistic</a:t>
+            </a:r>
+            <a:r>
+              <a:rPr lang="en-US" sz="2000" dirty="0"/>
+              <a:t>."</a:t>
+            </a:r>
+          </a:p>
+        </p:txBody>
+      </p:sp>
+    </p:spTree>
+    <p:extLst>
+      <p:ext uri="{BB962C8B-B14F-4D97-AF65-F5344CB8AC3E}">
+        <p14:creationId xmlns:p14="http://schemas.microsoft.com/office/powerpoint/2010/main" val="658361738"/>
+      </p:ext>
+    </p:extLst>
+  </p:cSld>
+  <p:clrMapOvr>
+    <a:masterClrMapping/>
+  </p:clrMapOvr>
+</p:sld>
+</file>
+
+<file path=ppt/slides/slide5.xml><?xml version="1.0" encoding="utf-8"?>
 <p:sld xmlns:a="http://schemas.openxmlformats.org/drawingml/2006/main" xmlns:r="http://schemas.openxmlformats.org/officeDocument/2006/relationships" xmlns:p="http://schemas.openxmlformats.org/presentationml/2006/main">
   <p:cSld>
     <p:spTree>
@@ -4354,7 +4506,7 @@
 </p:sld>
 </file>
 
-<file path=ppt/slides/slide5.xml><?xml version="1.0" encoding="utf-8"?>
+<file path=ppt/slides/slide6.xml><?xml version="1.0" encoding="utf-8"?>
 <p:sld xmlns:a="http://schemas.openxmlformats.org/drawingml/2006/main" xmlns:r="http://schemas.openxmlformats.org/officeDocument/2006/relationships" xmlns:p="http://schemas.openxmlformats.org/presentationml/2006/main">
   <p:cSld>
     <p:spTree>
@@ -4442,7 +4594,7 @@
 </p:sld>
 </file>
 
-<file path=ppt/slides/slide6.xml><?xml version="1.0" encoding="utf-8"?>
+<file path=ppt/slides/slide7.xml><?xml version="1.0" encoding="utf-8"?>
 <p:sld xmlns:a="http://schemas.openxmlformats.org/drawingml/2006/main" xmlns:r="http://schemas.openxmlformats.org/officeDocument/2006/relationships" xmlns:p="http://schemas.openxmlformats.org/presentationml/2006/main">
   <p:cSld>
     <p:spTree>
@@ -4824,7 +4976,7 @@
 </p:sld>
 </file>
 
-<file path=ppt/slides/slide7.xml><?xml version="1.0" encoding="utf-8"?>
+<file path=ppt/slides/slide8.xml><?xml version="1.0" encoding="utf-8"?>
 <p:sld xmlns:a="http://schemas.openxmlformats.org/drawingml/2006/main" xmlns:r="http://schemas.openxmlformats.org/officeDocument/2006/relationships" xmlns:p="http://schemas.openxmlformats.org/presentationml/2006/main">
   <p:cSld>
     <p:spTree>
@@ -23097,6 +23249,246 @@
 </p:sld>
 </file>
 
+<file path=ppt/slides/slide9.xml><?xml version="1.0" encoding="utf-8"?>
+<p:sld xmlns:a="http://schemas.openxmlformats.org/drawingml/2006/main" xmlns:r="http://schemas.openxmlformats.org/officeDocument/2006/relationships" xmlns:p="http://schemas.openxmlformats.org/presentationml/2006/main">
+  <p:cSld>
+    <p:spTree>
+      <p:nvGrpSpPr>
+        <p:cNvPr id="1" name=""/>
+        <p:cNvGrpSpPr/>
+        <p:nvPr/>
+      </p:nvGrpSpPr>
+      <p:grpSpPr>
+        <a:xfrm>
+          <a:off x="0" y="0"/>
+          <a:ext cx="0" cy="0"/>
+          <a:chOff x="0" y="0"/>
+          <a:chExt cx="0" cy="0"/>
+        </a:xfrm>
+      </p:grpSpPr>
+      <p:sp>
+        <p:nvSpPr>
+          <p:cNvPr id="2" name="Title 1">
+            <a:extLst>
+              <a:ext uri="{FF2B5EF4-FFF2-40B4-BE49-F238E27FC236}">
+                <a16:creationId xmlns:a16="http://schemas.microsoft.com/office/drawing/2014/main" id="{40418348-F06C-4B32-A8DF-15AA5AF6BE42}"/>
+              </a:ext>
+            </a:extLst>
+          </p:cNvPr>
+          <p:cNvSpPr>
+            <a:spLocks noGrp="1"/>
+          </p:cNvSpPr>
+          <p:nvPr>
+            <p:ph type="title"/>
+          </p:nvPr>
+        </p:nvSpPr>
+        <p:spPr/>
+        <p:txBody>
+          <a:bodyPr/>
+          <a:lstStyle/>
+          <a:p>
+            <a:r>
+              <a:rPr lang="en-US" dirty="0" err="1"/>
+              <a:t>Próxima</a:t>
+            </a:r>
+            <a:r>
+              <a:rPr lang="en-US" dirty="0"/>
+              <a:t> </a:t>
+            </a:r>
+            <a:r>
+              <a:rPr lang="en-US" dirty="0" err="1"/>
+              <a:t>semana</a:t>
+            </a:r>
+            <a:r>
+              <a:rPr lang="en-US" dirty="0"/>
+              <a:t>…</a:t>
+            </a:r>
+          </a:p>
+        </p:txBody>
+      </p:sp>
+      <p:sp>
+        <p:nvSpPr>
+          <p:cNvPr id="3" name="Content Placeholder 2">
+            <a:extLst>
+              <a:ext uri="{FF2B5EF4-FFF2-40B4-BE49-F238E27FC236}">
+                <a16:creationId xmlns:a16="http://schemas.microsoft.com/office/drawing/2014/main" id="{1C3624A7-C000-47B3-A158-458A46A60393}"/>
+              </a:ext>
+            </a:extLst>
+          </p:cNvPr>
+          <p:cNvSpPr>
+            <a:spLocks noGrp="1"/>
+          </p:cNvSpPr>
+          <p:nvPr>
+            <p:ph idx="1"/>
+          </p:nvPr>
+        </p:nvSpPr>
+        <p:spPr/>
+        <p:txBody>
+          <a:bodyPr>
+            <a:normAutofit/>
+          </a:bodyPr>
+          <a:lstStyle/>
+          <a:p>
+            <a:r>
+              <a:rPr lang="en-US" sz="2000" dirty="0" err="1"/>
+              <a:t>Revisão</a:t>
+            </a:r>
+            <a:r>
+              <a:rPr lang="en-US" sz="2000" dirty="0"/>
+              <a:t> </a:t>
+            </a:r>
+            <a:r>
+              <a:rPr lang="en-US" sz="2000" dirty="0" err="1"/>
+              <a:t>Bibliográfica</a:t>
+            </a:r>
+            <a:r>
+              <a:rPr lang="en-US" sz="2000" dirty="0"/>
+              <a:t> </a:t>
+            </a:r>
+            <a:r>
+              <a:rPr lang="en-US" sz="2000" dirty="0" err="1"/>
+              <a:t>em</a:t>
+            </a:r>
+            <a:r>
+              <a:rPr lang="en-US" sz="2000" dirty="0"/>
+              <a:t> Data Streaming;</a:t>
+            </a:r>
+          </a:p>
+          <a:p>
+            <a:r>
+              <a:rPr lang="en-US" sz="2000" dirty="0" err="1"/>
+              <a:t>Terminar</a:t>
+            </a:r>
+            <a:r>
+              <a:rPr lang="en-US" sz="2000" dirty="0"/>
+              <a:t> related work;</a:t>
+            </a:r>
+          </a:p>
+          <a:p>
+            <a:r>
+              <a:rPr lang="en-US" sz="2000" dirty="0" err="1"/>
+              <a:t>Escrever</a:t>
+            </a:r>
+            <a:r>
+              <a:rPr lang="en-US" sz="2000" dirty="0"/>
+              <a:t> </a:t>
+            </a:r>
+            <a:r>
+              <a:rPr lang="en-US" sz="2000" dirty="0" err="1"/>
+              <a:t>Introdução</a:t>
+            </a:r>
+            <a:r>
+              <a:rPr lang="en-US" sz="2000" dirty="0"/>
+              <a:t>;</a:t>
+            </a:r>
+          </a:p>
+          <a:p>
+            <a:r>
+              <a:rPr lang="en-US" sz="2000" dirty="0" err="1"/>
+              <a:t>Restruturar</a:t>
+            </a:r>
+            <a:r>
+              <a:rPr lang="en-US" sz="2000" dirty="0"/>
+              <a:t> </a:t>
+            </a:r>
+            <a:r>
+              <a:rPr lang="en-US" sz="2000" dirty="0" err="1"/>
+              <a:t>código</a:t>
+            </a:r>
+            <a:r>
+              <a:rPr lang="en-US" sz="2000" dirty="0"/>
+              <a:t> </a:t>
+            </a:r>
+            <a:r>
+              <a:rPr lang="en-US" sz="2000" dirty="0" err="1"/>
+              <a:t>sobre</a:t>
+            </a:r>
+            <a:r>
+              <a:rPr lang="en-US" sz="2000" dirty="0"/>
+              <a:t> </a:t>
+            </a:r>
+            <a:r>
+              <a:rPr lang="en-US" sz="2000" dirty="0" err="1"/>
+              <a:t>geração</a:t>
+            </a:r>
+            <a:r>
+              <a:rPr lang="en-US" sz="2000" dirty="0"/>
+              <a:t> dos dados e </a:t>
+            </a:r>
+            <a:r>
+              <a:rPr lang="en-US" sz="2000" dirty="0" err="1"/>
+              <a:t>testar</a:t>
+            </a:r>
+            <a:r>
+              <a:rPr lang="en-US" sz="2000" dirty="0"/>
+              <a:t> </a:t>
+            </a:r>
+            <a:r>
+              <a:rPr lang="en-US" sz="2000" dirty="0" err="1"/>
+              <a:t>os</a:t>
+            </a:r>
+            <a:r>
+              <a:rPr lang="en-US" sz="2000" dirty="0"/>
+              <a:t> dados;</a:t>
+            </a:r>
+          </a:p>
+          <a:p>
+            <a:r>
+              <a:rPr lang="en-US" sz="2000" dirty="0" err="1"/>
+              <a:t>Continuar</a:t>
+            </a:r>
+            <a:r>
+              <a:rPr lang="en-US" sz="2000" dirty="0"/>
+              <a:t> </a:t>
+            </a:r>
+            <a:r>
+              <a:rPr lang="en-US" sz="2000" dirty="0" err="1"/>
+              <a:t>implementação</a:t>
+            </a:r>
+            <a:r>
+              <a:rPr lang="en-US" sz="2000" dirty="0"/>
+              <a:t> dos </a:t>
+            </a:r>
+            <a:r>
+              <a:rPr lang="en-US" sz="2000" dirty="0" err="1"/>
+              <a:t>métodos</a:t>
+            </a:r>
+            <a:r>
+              <a:rPr lang="en-US" sz="2000" dirty="0"/>
+              <a:t>;</a:t>
+            </a:r>
+          </a:p>
+          <a:p>
+            <a:r>
+              <a:rPr lang="en-US" sz="2000" dirty="0" err="1"/>
+              <a:t>Tratamento</a:t>
+            </a:r>
+            <a:r>
+              <a:rPr lang="en-US" sz="2000" dirty="0"/>
+              <a:t> dos dados reais;</a:t>
+            </a:r>
+          </a:p>
+          <a:p>
+            <a:endParaRPr lang="en-US" sz="2000" dirty="0"/>
+          </a:p>
+          <a:p>
+            <a:endParaRPr lang="en-US" sz="2000" dirty="0"/>
+          </a:p>
+        </p:txBody>
+      </p:sp>
+    </p:spTree>
+    <p:extLst>
+      <p:ext uri="{BB962C8B-B14F-4D97-AF65-F5344CB8AC3E}">
+        <p14:creationId xmlns:p14="http://schemas.microsoft.com/office/powerpoint/2010/main" val="1378399493"/>
+      </p:ext>
+    </p:extLst>
+  </p:cSld>
+  <p:clrMapOvr>
+    <a:masterClrMapping/>
+  </p:clrMapOvr>
+</p:sld>
+</file>
+
 <file path=ppt/theme/theme1.xml><?xml version="1.0" encoding="utf-8"?>
 <a:theme xmlns:a="http://schemas.openxmlformats.org/drawingml/2006/main" name="Office Theme">
   <a:themeElements>
